--- a/docs/songs/what a beautiful name.pptx
+++ b/docs/songs/what a beautiful name.pptx
@@ -312,7 +312,7 @@
             <a:fld id="{26EA1CF3-4A15-4CBF-9A5A-6A56C368BE71}" type="datetimeFigureOut">
               <a:rPr lang="en-GB" smtClean="0"/>
               <a:pPr/>
-              <a:t>03/10/2022</a:t>
+              <a:t>31/10/2022</a:t>
             </a:fld>
             <a:endParaRPr lang="en-GB"/>
           </a:p>
@@ -479,7 +479,7 @@
             <a:fld id="{26EA1CF3-4A15-4CBF-9A5A-6A56C368BE71}" type="datetimeFigureOut">
               <a:rPr lang="en-GB" smtClean="0"/>
               <a:pPr/>
-              <a:t>03/10/2022</a:t>
+              <a:t>31/10/2022</a:t>
             </a:fld>
             <a:endParaRPr lang="en-GB"/>
           </a:p>
@@ -656,7 +656,7 @@
             <a:fld id="{26EA1CF3-4A15-4CBF-9A5A-6A56C368BE71}" type="datetimeFigureOut">
               <a:rPr lang="en-GB" smtClean="0"/>
               <a:pPr/>
-              <a:t>03/10/2022</a:t>
+              <a:t>31/10/2022</a:t>
             </a:fld>
             <a:endParaRPr lang="en-GB"/>
           </a:p>
@@ -823,7 +823,7 @@
             <a:fld id="{26EA1CF3-4A15-4CBF-9A5A-6A56C368BE71}" type="datetimeFigureOut">
               <a:rPr lang="en-GB" smtClean="0"/>
               <a:pPr/>
-              <a:t>03/10/2022</a:t>
+              <a:t>31/10/2022</a:t>
             </a:fld>
             <a:endParaRPr lang="en-GB"/>
           </a:p>
@@ -1066,7 +1066,7 @@
             <a:fld id="{26EA1CF3-4A15-4CBF-9A5A-6A56C368BE71}" type="datetimeFigureOut">
               <a:rPr lang="en-GB" smtClean="0"/>
               <a:pPr/>
-              <a:t>03/10/2022</a:t>
+              <a:t>31/10/2022</a:t>
             </a:fld>
             <a:endParaRPr lang="en-GB"/>
           </a:p>
@@ -1351,7 +1351,7 @@
             <a:fld id="{26EA1CF3-4A15-4CBF-9A5A-6A56C368BE71}" type="datetimeFigureOut">
               <a:rPr lang="en-GB" smtClean="0"/>
               <a:pPr/>
-              <a:t>03/10/2022</a:t>
+              <a:t>31/10/2022</a:t>
             </a:fld>
             <a:endParaRPr lang="en-GB"/>
           </a:p>
@@ -1770,7 +1770,7 @@
             <a:fld id="{26EA1CF3-4A15-4CBF-9A5A-6A56C368BE71}" type="datetimeFigureOut">
               <a:rPr lang="en-GB" smtClean="0"/>
               <a:pPr/>
-              <a:t>03/10/2022</a:t>
+              <a:t>31/10/2022</a:t>
             </a:fld>
             <a:endParaRPr lang="en-GB"/>
           </a:p>
@@ -1885,7 +1885,7 @@
             <a:fld id="{26EA1CF3-4A15-4CBF-9A5A-6A56C368BE71}" type="datetimeFigureOut">
               <a:rPr lang="en-GB" smtClean="0"/>
               <a:pPr/>
-              <a:t>03/10/2022</a:t>
+              <a:t>31/10/2022</a:t>
             </a:fld>
             <a:endParaRPr lang="en-GB"/>
           </a:p>
@@ -1977,7 +1977,7 @@
             <a:fld id="{26EA1CF3-4A15-4CBF-9A5A-6A56C368BE71}" type="datetimeFigureOut">
               <a:rPr lang="en-GB" smtClean="0"/>
               <a:pPr/>
-              <a:t>03/10/2022</a:t>
+              <a:t>31/10/2022</a:t>
             </a:fld>
             <a:endParaRPr lang="en-GB"/>
           </a:p>
@@ -2251,7 +2251,7 @@
             <a:fld id="{26EA1CF3-4A15-4CBF-9A5A-6A56C368BE71}" type="datetimeFigureOut">
               <a:rPr lang="en-GB" smtClean="0"/>
               <a:pPr/>
-              <a:t>03/10/2022</a:t>
+              <a:t>31/10/2022</a:t>
             </a:fld>
             <a:endParaRPr lang="en-GB"/>
           </a:p>
@@ -2501,7 +2501,7 @@
             <a:fld id="{26EA1CF3-4A15-4CBF-9A5A-6A56C368BE71}" type="datetimeFigureOut">
               <a:rPr lang="en-GB" smtClean="0"/>
               <a:pPr/>
-              <a:t>03/10/2022</a:t>
+              <a:t>31/10/2022</a:t>
             </a:fld>
             <a:endParaRPr lang="en-GB"/>
           </a:p>
@@ -2714,7 +2714,7 @@
             <a:fld id="{26EA1CF3-4A15-4CBF-9A5A-6A56C368BE71}" type="datetimeFigureOut">
               <a:rPr lang="en-GB" smtClean="0"/>
               <a:pPr/>
-              <a:t>03/10/2022</a:t>
+              <a:t>31/10/2022</a:t>
             </a:fld>
             <a:endParaRPr lang="en-GB"/>
           </a:p>
@@ -3107,16 +3107,28 @@
           </a:bodyPr>
           <a:lstStyle/>
           <a:p>
-            <a:endParaRPr lang="en-GB" sz="9600" dirty="0"/>
-          </a:p>
-          <a:p>
-            <a:r>
-              <a:rPr lang="en-GB" sz="9600" dirty="0">
-                <a:solidFill>
-                  <a:schemeClr val="bg1"/>
-                </a:solidFill>
-              </a:rPr>
-              <a:t>What A Beautiful Name</a:t>
+            <a:endParaRPr lang="en-GB" sz="7200">
+              <a:solidFill>
+                <a:schemeClr val="bg1"/>
+              </a:solidFill>
+            </a:endParaRPr>
+          </a:p>
+          <a:p>
+            <a:r>
+              <a:rPr lang="en-GB" sz="7200">
+                <a:solidFill>
+                  <a:schemeClr val="bg1"/>
+                </a:solidFill>
+              </a:rPr>
+              <a:t>What </a:t>
+            </a:r>
+            <a:r>
+              <a:rPr lang="en-GB" sz="7200" dirty="0">
+                <a:solidFill>
+                  <a:schemeClr val="bg1"/>
+                </a:solidFill>
+              </a:rPr>
+              <a:t>A Beautiful Name</a:t>
             </a:r>
           </a:p>
           <a:p>

--- a/docs/songs/what a beautiful name.pptx
+++ b/docs/songs/what a beautiful name.pptx
@@ -312,7 +312,7 @@
             <a:fld id="{26EA1CF3-4A15-4CBF-9A5A-6A56C368BE71}" type="datetimeFigureOut">
               <a:rPr lang="en-GB" smtClean="0"/>
               <a:pPr/>
-              <a:t>31/10/2022</a:t>
+              <a:t>16/09/2024</a:t>
             </a:fld>
             <a:endParaRPr lang="en-GB"/>
           </a:p>
@@ -479,7 +479,7 @@
             <a:fld id="{26EA1CF3-4A15-4CBF-9A5A-6A56C368BE71}" type="datetimeFigureOut">
               <a:rPr lang="en-GB" smtClean="0"/>
               <a:pPr/>
-              <a:t>31/10/2022</a:t>
+              <a:t>16/09/2024</a:t>
             </a:fld>
             <a:endParaRPr lang="en-GB"/>
           </a:p>
@@ -656,7 +656,7 @@
             <a:fld id="{26EA1CF3-4A15-4CBF-9A5A-6A56C368BE71}" type="datetimeFigureOut">
               <a:rPr lang="en-GB" smtClean="0"/>
               <a:pPr/>
-              <a:t>31/10/2022</a:t>
+              <a:t>16/09/2024</a:t>
             </a:fld>
             <a:endParaRPr lang="en-GB"/>
           </a:p>
@@ -823,7 +823,7 @@
             <a:fld id="{26EA1CF3-4A15-4CBF-9A5A-6A56C368BE71}" type="datetimeFigureOut">
               <a:rPr lang="en-GB" smtClean="0"/>
               <a:pPr/>
-              <a:t>31/10/2022</a:t>
+              <a:t>16/09/2024</a:t>
             </a:fld>
             <a:endParaRPr lang="en-GB"/>
           </a:p>
@@ -1066,7 +1066,7 @@
             <a:fld id="{26EA1CF3-4A15-4CBF-9A5A-6A56C368BE71}" type="datetimeFigureOut">
               <a:rPr lang="en-GB" smtClean="0"/>
               <a:pPr/>
-              <a:t>31/10/2022</a:t>
+              <a:t>16/09/2024</a:t>
             </a:fld>
             <a:endParaRPr lang="en-GB"/>
           </a:p>
@@ -1351,7 +1351,7 @@
             <a:fld id="{26EA1CF3-4A15-4CBF-9A5A-6A56C368BE71}" type="datetimeFigureOut">
               <a:rPr lang="en-GB" smtClean="0"/>
               <a:pPr/>
-              <a:t>31/10/2022</a:t>
+              <a:t>16/09/2024</a:t>
             </a:fld>
             <a:endParaRPr lang="en-GB"/>
           </a:p>
@@ -1770,7 +1770,7 @@
             <a:fld id="{26EA1CF3-4A15-4CBF-9A5A-6A56C368BE71}" type="datetimeFigureOut">
               <a:rPr lang="en-GB" smtClean="0"/>
               <a:pPr/>
-              <a:t>31/10/2022</a:t>
+              <a:t>16/09/2024</a:t>
             </a:fld>
             <a:endParaRPr lang="en-GB"/>
           </a:p>
@@ -1885,7 +1885,7 @@
             <a:fld id="{26EA1CF3-4A15-4CBF-9A5A-6A56C368BE71}" type="datetimeFigureOut">
               <a:rPr lang="en-GB" smtClean="0"/>
               <a:pPr/>
-              <a:t>31/10/2022</a:t>
+              <a:t>16/09/2024</a:t>
             </a:fld>
             <a:endParaRPr lang="en-GB"/>
           </a:p>
@@ -1977,7 +1977,7 @@
             <a:fld id="{26EA1CF3-4A15-4CBF-9A5A-6A56C368BE71}" type="datetimeFigureOut">
               <a:rPr lang="en-GB" smtClean="0"/>
               <a:pPr/>
-              <a:t>31/10/2022</a:t>
+              <a:t>16/09/2024</a:t>
             </a:fld>
             <a:endParaRPr lang="en-GB"/>
           </a:p>
@@ -2251,7 +2251,7 @@
             <a:fld id="{26EA1CF3-4A15-4CBF-9A5A-6A56C368BE71}" type="datetimeFigureOut">
               <a:rPr lang="en-GB" smtClean="0"/>
               <a:pPr/>
-              <a:t>31/10/2022</a:t>
+              <a:t>16/09/2024</a:t>
             </a:fld>
             <a:endParaRPr lang="en-GB"/>
           </a:p>
@@ -2501,7 +2501,7 @@
             <a:fld id="{26EA1CF3-4A15-4CBF-9A5A-6A56C368BE71}" type="datetimeFigureOut">
               <a:rPr lang="en-GB" smtClean="0"/>
               <a:pPr/>
-              <a:t>31/10/2022</a:t>
+              <a:t>16/09/2024</a:t>
             </a:fld>
             <a:endParaRPr lang="en-GB"/>
           </a:p>
@@ -2714,7 +2714,7 @@
             <a:fld id="{26EA1CF3-4A15-4CBF-9A5A-6A56C368BE71}" type="datetimeFigureOut">
               <a:rPr lang="en-GB" smtClean="0"/>
               <a:pPr/>
-              <a:t>31/10/2022</a:t>
+              <a:t>16/09/2024</a:t>
             </a:fld>
             <a:endParaRPr lang="en-GB"/>
           </a:p>
@@ -3246,7 +3246,7 @@
         </p:nvSpPr>
         <p:spPr>
           <a:xfrm>
-            <a:off x="323528" y="188640"/>
+            <a:off x="203118" y="764704"/>
             <a:ext cx="8640960" cy="6480720"/>
           </a:xfrm>
         </p:spPr>
@@ -3257,7 +3257,7 @@
           <a:lstStyle/>
           <a:p>
             <a:r>
-              <a:rPr lang="en-GB" sz="5400" dirty="0">
+              <a:rPr lang="en-GB" sz="3600" dirty="0">
                 <a:solidFill>
                   <a:schemeClr val="bg1"/>
                 </a:solidFill>
@@ -3265,14 +3265,14 @@
               <a:t>You were the Word at the beginning</a:t>
             </a:r>
             <a:br>
-              <a:rPr lang="en-GB" sz="5400" dirty="0">
+              <a:rPr lang="en-GB" sz="3600" dirty="0">
                 <a:solidFill>
                   <a:schemeClr val="bg1"/>
                 </a:solidFill>
               </a:rPr>
             </a:br>
             <a:r>
-              <a:rPr lang="en-GB" sz="5400" dirty="0">
+              <a:rPr lang="en-GB" sz="3600" dirty="0">
                 <a:solidFill>
                   <a:schemeClr val="bg1"/>
                 </a:solidFill>
@@ -3280,14 +3280,14 @@
               <a:t>One with God the Lord Most High</a:t>
             </a:r>
             <a:br>
-              <a:rPr lang="en-GB" sz="5400" dirty="0">
+              <a:rPr lang="en-GB" sz="3600" dirty="0">
                 <a:solidFill>
                   <a:schemeClr val="bg1"/>
                 </a:solidFill>
               </a:rPr>
             </a:br>
             <a:r>
-              <a:rPr lang="en-GB" sz="5400" dirty="0">
+              <a:rPr lang="en-GB" sz="3600" dirty="0">
                 <a:solidFill>
                   <a:schemeClr val="bg1"/>
                 </a:solidFill>
@@ -3295,14 +3295,14 @@
               <a:t>Your hidden glory in creation</a:t>
             </a:r>
             <a:br>
-              <a:rPr lang="en-GB" sz="5400" dirty="0">
+              <a:rPr lang="en-GB" sz="3600" dirty="0">
                 <a:solidFill>
                   <a:schemeClr val="bg1"/>
                 </a:solidFill>
               </a:rPr>
             </a:br>
             <a:r>
-              <a:rPr lang="en-GB" sz="5400" dirty="0">
+              <a:rPr lang="en-GB" sz="3600" dirty="0">
                 <a:solidFill>
                   <a:schemeClr val="bg1"/>
                 </a:solidFill>
@@ -3382,7 +3382,7 @@
         </p:nvSpPr>
         <p:spPr>
           <a:xfrm>
-            <a:off x="323528" y="188640"/>
+            <a:off x="251520" y="764704"/>
             <a:ext cx="8640960" cy="6480720"/>
           </a:xfrm>
         </p:spPr>
@@ -3393,7 +3393,7 @@
           <a:lstStyle/>
           <a:p>
             <a:r>
-              <a:rPr lang="en-GB" sz="5400" dirty="0">
+              <a:rPr lang="en-GB" sz="3600" dirty="0">
                 <a:solidFill>
                   <a:schemeClr val="bg1"/>
                 </a:solidFill>
@@ -3401,14 +3401,14 @@
               <a:t>What a beautiful Name it is</a:t>
             </a:r>
             <a:br>
-              <a:rPr lang="en-GB" sz="5400" dirty="0">
+              <a:rPr lang="en-GB" sz="3600" dirty="0">
                 <a:solidFill>
                   <a:schemeClr val="bg1"/>
                 </a:solidFill>
               </a:rPr>
             </a:br>
             <a:r>
-              <a:rPr lang="en-GB" sz="5400" dirty="0">
+              <a:rPr lang="en-GB" sz="3600" dirty="0">
                 <a:solidFill>
                   <a:schemeClr val="bg1"/>
                 </a:solidFill>
@@ -3416,14 +3416,14 @@
               <a:t>What a beautiful Name it is</a:t>
             </a:r>
             <a:br>
-              <a:rPr lang="en-GB" sz="5400" dirty="0">
+              <a:rPr lang="en-GB" sz="3600" dirty="0">
                 <a:solidFill>
                   <a:schemeClr val="bg1"/>
                 </a:solidFill>
               </a:rPr>
             </a:br>
             <a:r>
-              <a:rPr lang="en-GB" sz="5400" dirty="0">
+              <a:rPr lang="en-GB" sz="3600" dirty="0">
                 <a:solidFill>
                   <a:schemeClr val="bg1"/>
                 </a:solidFill>
@@ -3431,14 +3431,14 @@
               <a:t>The Name of Jesus Christ my King</a:t>
             </a:r>
             <a:br>
-              <a:rPr lang="en-GB" sz="5400" dirty="0">
+              <a:rPr lang="en-GB" sz="3600" dirty="0">
                 <a:solidFill>
                   <a:schemeClr val="bg1"/>
                 </a:solidFill>
               </a:rPr>
             </a:br>
             <a:r>
-              <a:rPr lang="en-GB" sz="5400" dirty="0">
+              <a:rPr lang="en-GB" sz="3600" dirty="0">
                 <a:solidFill>
                   <a:schemeClr val="bg1"/>
                 </a:solidFill>
@@ -3446,14 +3446,14 @@
               <a:t>What a beautiful Name it is</a:t>
             </a:r>
             <a:br>
-              <a:rPr lang="en-GB" sz="5400" dirty="0">
+              <a:rPr lang="en-GB" sz="3600" dirty="0">
                 <a:solidFill>
                   <a:schemeClr val="bg1"/>
                 </a:solidFill>
               </a:rPr>
             </a:br>
             <a:r>
-              <a:rPr lang="en-GB" sz="5400" dirty="0">
+              <a:rPr lang="en-GB" sz="3600" dirty="0">
                 <a:solidFill>
                   <a:schemeClr val="bg1"/>
                 </a:solidFill>
@@ -3461,14 +3461,14 @@
               <a:t>Nothing compares to this</a:t>
             </a:r>
             <a:br>
-              <a:rPr lang="en-GB" sz="5400" dirty="0">
+              <a:rPr lang="en-GB" sz="3600" dirty="0">
                 <a:solidFill>
                   <a:schemeClr val="bg1"/>
                 </a:solidFill>
               </a:rPr>
             </a:br>
             <a:r>
-              <a:rPr lang="en-GB" sz="5400" dirty="0">
+              <a:rPr lang="en-GB" sz="3600" dirty="0">
                 <a:solidFill>
                   <a:schemeClr val="bg1"/>
                 </a:solidFill>
@@ -3476,14 +3476,14 @@
               <a:t>What a beautiful Name it is</a:t>
             </a:r>
             <a:br>
-              <a:rPr lang="en-GB" sz="5400" dirty="0">
+              <a:rPr lang="en-GB" sz="3600" dirty="0">
                 <a:solidFill>
                   <a:schemeClr val="bg1"/>
                 </a:solidFill>
               </a:rPr>
             </a:br>
             <a:r>
-              <a:rPr lang="en-GB" sz="5400" dirty="0">
+              <a:rPr lang="en-GB" sz="3600" dirty="0">
                 <a:solidFill>
                   <a:schemeClr val="bg1"/>
                 </a:solidFill>
@@ -3563,7 +3563,7 @@
         </p:nvSpPr>
         <p:spPr>
           <a:xfrm>
-            <a:off x="323528" y="188640"/>
+            <a:off x="203118" y="692696"/>
             <a:ext cx="8640960" cy="6480720"/>
           </a:xfrm>
         </p:spPr>
@@ -3574,7 +3574,7 @@
           <a:lstStyle/>
           <a:p>
             <a:r>
-              <a:rPr lang="en-GB" sz="5400" dirty="0">
+              <a:rPr lang="en-GB" sz="3600" dirty="0">
                 <a:solidFill>
                   <a:schemeClr val="bg1"/>
                 </a:solidFill>
@@ -3582,14 +3582,14 @@
               <a:t>You didn't want heaven without us</a:t>
             </a:r>
             <a:br>
-              <a:rPr lang="en-GB" sz="5400" dirty="0">
+              <a:rPr lang="en-GB" sz="3600" dirty="0">
                 <a:solidFill>
                   <a:schemeClr val="bg1"/>
                 </a:solidFill>
               </a:rPr>
             </a:br>
             <a:r>
-              <a:rPr lang="en-GB" sz="5400" dirty="0">
+              <a:rPr lang="en-GB" sz="3600" dirty="0">
                 <a:solidFill>
                   <a:schemeClr val="bg1"/>
                 </a:solidFill>
@@ -3597,14 +3597,14 @@
               <a:t>So Jesus You brought heaven down</a:t>
             </a:r>
             <a:br>
-              <a:rPr lang="en-GB" sz="5400" dirty="0">
+              <a:rPr lang="en-GB" sz="3600" dirty="0">
                 <a:solidFill>
                   <a:schemeClr val="bg1"/>
                 </a:solidFill>
               </a:rPr>
             </a:br>
             <a:r>
-              <a:rPr lang="en-GB" sz="5400" dirty="0">
+              <a:rPr lang="en-GB" sz="3600" dirty="0">
                 <a:solidFill>
                   <a:schemeClr val="bg1"/>
                 </a:solidFill>
@@ -3612,14 +3612,14 @@
               <a:t>My sin was great Your love was greater</a:t>
             </a:r>
             <a:br>
-              <a:rPr lang="en-GB" sz="5400" dirty="0">
+              <a:rPr lang="en-GB" sz="3600" dirty="0">
                 <a:solidFill>
                   <a:schemeClr val="bg1"/>
                 </a:solidFill>
               </a:rPr>
             </a:br>
             <a:r>
-              <a:rPr lang="en-GB" sz="5400" dirty="0">
+              <a:rPr lang="en-GB" sz="3600" dirty="0">
                 <a:solidFill>
                   <a:schemeClr val="bg1"/>
                 </a:solidFill>
@@ -3699,7 +3699,7 @@
         </p:nvSpPr>
         <p:spPr>
           <a:xfrm>
-            <a:off x="323528" y="116632"/>
+            <a:off x="217986" y="764704"/>
             <a:ext cx="8640960" cy="6552728"/>
           </a:xfrm>
         </p:spPr>
@@ -3710,7 +3710,7 @@
           <a:lstStyle/>
           <a:p>
             <a:r>
-              <a:rPr lang="en-GB" sz="4900" dirty="0">
+              <a:rPr lang="en-GB" sz="3600" dirty="0">
                 <a:solidFill>
                   <a:schemeClr val="bg1"/>
                 </a:solidFill>
@@ -3718,14 +3718,14 @@
               <a:t>What a wonderful Name it is</a:t>
             </a:r>
             <a:br>
-              <a:rPr lang="en-GB" sz="4900" dirty="0">
+              <a:rPr lang="en-GB" sz="3600" dirty="0">
                 <a:solidFill>
                   <a:schemeClr val="bg1"/>
                 </a:solidFill>
               </a:rPr>
             </a:br>
             <a:r>
-              <a:rPr lang="en-GB" sz="4900" dirty="0">
+              <a:rPr lang="en-GB" sz="3600" dirty="0">
                 <a:solidFill>
                   <a:schemeClr val="bg1"/>
                 </a:solidFill>
@@ -3733,14 +3733,14 @@
               <a:t>What a wonderful Name it is</a:t>
             </a:r>
             <a:br>
-              <a:rPr lang="en-GB" sz="4900" dirty="0">
+              <a:rPr lang="en-GB" sz="3600" dirty="0">
                 <a:solidFill>
                   <a:schemeClr val="bg1"/>
                 </a:solidFill>
               </a:rPr>
             </a:br>
             <a:r>
-              <a:rPr lang="en-GB" sz="4900" dirty="0">
+              <a:rPr lang="en-GB" sz="3600" dirty="0">
                 <a:solidFill>
                   <a:schemeClr val="bg1"/>
                 </a:solidFill>
@@ -3748,14 +3748,14 @@
               <a:t>The Name of Jesus Christ my King</a:t>
             </a:r>
             <a:br>
-              <a:rPr lang="en-GB" sz="4900" dirty="0">
+              <a:rPr lang="en-GB" sz="3600" dirty="0">
                 <a:solidFill>
                   <a:schemeClr val="bg1"/>
                 </a:solidFill>
               </a:rPr>
             </a:br>
             <a:r>
-              <a:rPr lang="en-GB" sz="4900" dirty="0">
+              <a:rPr lang="en-GB" sz="3600" dirty="0">
                 <a:solidFill>
                   <a:schemeClr val="bg1"/>
                 </a:solidFill>
@@ -3763,14 +3763,14 @@
               <a:t>What a wonderful Name it is</a:t>
             </a:r>
             <a:br>
-              <a:rPr lang="en-GB" sz="4900" dirty="0">
+              <a:rPr lang="en-GB" sz="3600" dirty="0">
                 <a:solidFill>
                   <a:schemeClr val="bg1"/>
                 </a:solidFill>
               </a:rPr>
             </a:br>
             <a:r>
-              <a:rPr lang="en-GB" sz="4900" dirty="0">
+              <a:rPr lang="en-GB" sz="3600" dirty="0">
                 <a:solidFill>
                   <a:schemeClr val="bg1"/>
                 </a:solidFill>
@@ -3778,14 +3778,14 @@
               <a:t>Nothing compares to this</a:t>
             </a:r>
             <a:br>
-              <a:rPr lang="en-GB" sz="4900" dirty="0">
+              <a:rPr lang="en-GB" sz="3600" dirty="0">
                 <a:solidFill>
                   <a:schemeClr val="bg1"/>
                 </a:solidFill>
               </a:rPr>
             </a:br>
             <a:r>
-              <a:rPr lang="en-GB" sz="4900" dirty="0">
+              <a:rPr lang="en-GB" sz="3600" dirty="0">
                 <a:solidFill>
                   <a:schemeClr val="bg1"/>
                 </a:solidFill>
@@ -3793,14 +3793,14 @@
               <a:t>What a wonderful Name it is</a:t>
             </a:r>
             <a:br>
-              <a:rPr lang="en-GB" sz="4900" dirty="0">
+              <a:rPr lang="en-GB" sz="3600" dirty="0">
                 <a:solidFill>
                   <a:schemeClr val="bg1"/>
                 </a:solidFill>
               </a:rPr>
             </a:br>
             <a:r>
-              <a:rPr lang="en-GB" sz="4900" dirty="0">
+              <a:rPr lang="en-GB" sz="3600" dirty="0">
                 <a:solidFill>
                   <a:schemeClr val="bg1"/>
                 </a:solidFill>
@@ -3808,14 +3808,14 @@
               <a:t>The Name of Jesus</a:t>
             </a:r>
             <a:br>
-              <a:rPr lang="en-GB" sz="4900" dirty="0">
+              <a:rPr lang="en-GB" sz="3600" dirty="0">
                 <a:solidFill>
                   <a:schemeClr val="bg1"/>
                 </a:solidFill>
               </a:rPr>
             </a:br>
             <a:r>
-              <a:rPr lang="en-GB" sz="4900" dirty="0">
+              <a:rPr lang="en-GB" sz="3600" dirty="0">
                 <a:solidFill>
                   <a:schemeClr val="bg1"/>
                 </a:solidFill>
@@ -3823,14 +3823,14 @@
               <a:t>What a wonderful Name it is</a:t>
             </a:r>
             <a:br>
-              <a:rPr lang="en-GB" sz="4900" dirty="0">
+              <a:rPr lang="en-GB" sz="3600" dirty="0">
                 <a:solidFill>
                   <a:schemeClr val="bg1"/>
                 </a:solidFill>
               </a:rPr>
             </a:br>
             <a:r>
-              <a:rPr lang="en-GB" sz="4900" dirty="0">
+              <a:rPr lang="en-GB" sz="3600" dirty="0">
                 <a:solidFill>
                   <a:schemeClr val="bg1"/>
                 </a:solidFill>
@@ -3910,7 +3910,7 @@
         </p:nvSpPr>
         <p:spPr>
           <a:xfrm>
-            <a:off x="323528" y="116632"/>
+            <a:off x="251520" y="764704"/>
             <a:ext cx="8640960" cy="6552728"/>
           </a:xfrm>
         </p:spPr>
@@ -3921,7 +3921,7 @@
           <a:lstStyle/>
           <a:p>
             <a:r>
-              <a:rPr lang="en-GB" sz="5400" dirty="0">
+              <a:rPr lang="en-GB" sz="3600" dirty="0">
                 <a:solidFill>
                   <a:schemeClr val="bg1"/>
                 </a:solidFill>
@@ -3929,14 +3929,14 @@
               <a:t>Death could not hold You</a:t>
             </a:r>
             <a:br>
-              <a:rPr lang="en-GB" sz="5400" dirty="0">
+              <a:rPr lang="en-GB" sz="3600" dirty="0">
                 <a:solidFill>
                   <a:schemeClr val="bg1"/>
                 </a:solidFill>
               </a:rPr>
             </a:br>
             <a:r>
-              <a:rPr lang="en-GB" sz="5400" dirty="0">
+              <a:rPr lang="en-GB" sz="3600" dirty="0">
                 <a:solidFill>
                   <a:schemeClr val="bg1"/>
                 </a:solidFill>
@@ -3944,14 +3944,14 @@
               <a:t>The veil tore before You</a:t>
             </a:r>
             <a:br>
-              <a:rPr lang="en-GB" sz="5400" dirty="0">
+              <a:rPr lang="en-GB" sz="3600" dirty="0">
                 <a:solidFill>
                   <a:schemeClr val="bg1"/>
                 </a:solidFill>
               </a:rPr>
             </a:br>
             <a:r>
-              <a:rPr lang="en-GB" sz="5400" dirty="0">
+              <a:rPr lang="en-GB" sz="3600" dirty="0">
                 <a:solidFill>
                   <a:schemeClr val="bg1"/>
                 </a:solidFill>
@@ -3959,14 +3959,14 @@
               <a:t>You silence the boast of sin and grave</a:t>
             </a:r>
             <a:br>
-              <a:rPr lang="en-GB" sz="5400" dirty="0">
+              <a:rPr lang="en-GB" sz="3600" dirty="0">
                 <a:solidFill>
                   <a:schemeClr val="bg1"/>
                 </a:solidFill>
               </a:rPr>
             </a:br>
             <a:r>
-              <a:rPr lang="en-GB" sz="5400" dirty="0">
+              <a:rPr lang="en-GB" sz="3600" dirty="0">
                 <a:solidFill>
                   <a:schemeClr val="bg1"/>
                 </a:solidFill>
@@ -3974,14 +3974,14 @@
               <a:t>The heavens are roaring</a:t>
             </a:r>
             <a:br>
-              <a:rPr lang="en-GB" sz="5400" dirty="0">
+              <a:rPr lang="en-GB" sz="3600" dirty="0">
                 <a:solidFill>
                   <a:schemeClr val="bg1"/>
                 </a:solidFill>
               </a:rPr>
             </a:br>
             <a:r>
-              <a:rPr lang="en-GB" sz="5400" dirty="0">
+              <a:rPr lang="en-GB" sz="3600" dirty="0">
                 <a:solidFill>
                   <a:schemeClr val="bg1"/>
                 </a:solidFill>
@@ -3989,25 +3989,20 @@
               <a:t>The praise of Your glory</a:t>
             </a:r>
             <a:br>
-              <a:rPr lang="en-GB" sz="5400" dirty="0">
+              <a:rPr lang="en-GB" sz="3600" dirty="0">
                 <a:solidFill>
                   <a:schemeClr val="bg1"/>
                 </a:solidFill>
               </a:rPr>
             </a:br>
             <a:r>
-              <a:rPr lang="en-GB" sz="5400" dirty="0">
+              <a:rPr lang="en-GB" sz="3600" dirty="0">
                 <a:solidFill>
                   <a:schemeClr val="bg1"/>
                 </a:solidFill>
               </a:rPr>
               <a:t>For You are raised to life again</a:t>
             </a:r>
-            <a:endParaRPr lang="en-GB" sz="4900" dirty="0">
-              <a:solidFill>
-                <a:schemeClr val="bg1"/>
-              </a:solidFill>
-            </a:endParaRPr>
           </a:p>
         </p:txBody>
       </p:sp>
@@ -4081,7 +4076,7 @@
         </p:nvSpPr>
         <p:spPr>
           <a:xfrm>
-            <a:off x="323528" y="116632"/>
+            <a:off x="203118" y="764704"/>
             <a:ext cx="8640960" cy="6552728"/>
           </a:xfrm>
         </p:spPr>
@@ -4092,7 +4087,7 @@
           <a:lstStyle/>
           <a:p>
             <a:r>
-              <a:rPr lang="en-GB" sz="5400" dirty="0">
+              <a:rPr lang="en-GB" sz="3600" dirty="0">
                 <a:solidFill>
                   <a:schemeClr val="bg1"/>
                 </a:solidFill>
@@ -4100,14 +4095,14 @@
               <a:t>You have no rival</a:t>
             </a:r>
             <a:br>
-              <a:rPr lang="en-GB" sz="5400" dirty="0">
+              <a:rPr lang="en-GB" sz="3600" dirty="0">
                 <a:solidFill>
                   <a:schemeClr val="bg1"/>
                 </a:solidFill>
               </a:rPr>
             </a:br>
             <a:r>
-              <a:rPr lang="en-GB" sz="5400" dirty="0">
+              <a:rPr lang="en-GB" sz="3600" dirty="0">
                 <a:solidFill>
                   <a:schemeClr val="bg1"/>
                 </a:solidFill>
@@ -4115,14 +4110,14 @@
               <a:t>You have no equal</a:t>
             </a:r>
             <a:br>
-              <a:rPr lang="en-GB" sz="5400" dirty="0">
+              <a:rPr lang="en-GB" sz="3600" dirty="0">
                 <a:solidFill>
                   <a:schemeClr val="bg1"/>
                 </a:solidFill>
               </a:rPr>
             </a:br>
             <a:r>
-              <a:rPr lang="en-GB" sz="5400" dirty="0">
+              <a:rPr lang="en-GB" sz="3600" dirty="0">
                 <a:solidFill>
                   <a:schemeClr val="bg1"/>
                 </a:solidFill>
@@ -4130,14 +4125,14 @@
               <a:t>Now and forever God You reign</a:t>
             </a:r>
             <a:br>
-              <a:rPr lang="en-GB" sz="5400" dirty="0">
+              <a:rPr lang="en-GB" sz="3600" dirty="0">
                 <a:solidFill>
                   <a:schemeClr val="bg1"/>
                 </a:solidFill>
               </a:rPr>
             </a:br>
             <a:r>
-              <a:rPr lang="en-GB" sz="5400" dirty="0">
+              <a:rPr lang="en-GB" sz="3600" dirty="0">
                 <a:solidFill>
                   <a:schemeClr val="bg1"/>
                 </a:solidFill>
@@ -4145,14 +4140,14 @@
               <a:t>Yours is the kingdom</a:t>
             </a:r>
             <a:br>
-              <a:rPr lang="en-GB" sz="5400" dirty="0">
+              <a:rPr lang="en-GB" sz="3600" dirty="0">
                 <a:solidFill>
                   <a:schemeClr val="bg1"/>
                 </a:solidFill>
               </a:rPr>
             </a:br>
             <a:r>
-              <a:rPr lang="en-GB" sz="5400" dirty="0">
+              <a:rPr lang="en-GB" sz="3600" dirty="0">
                 <a:solidFill>
                   <a:schemeClr val="bg1"/>
                 </a:solidFill>
@@ -4160,25 +4155,20 @@
               <a:t>Yours is the glory</a:t>
             </a:r>
             <a:br>
-              <a:rPr lang="en-GB" sz="5400" dirty="0">
+              <a:rPr lang="en-GB" sz="3600" dirty="0">
                 <a:solidFill>
                   <a:schemeClr val="bg1"/>
                 </a:solidFill>
               </a:rPr>
             </a:br>
             <a:r>
-              <a:rPr lang="en-GB" sz="5400" dirty="0">
+              <a:rPr lang="en-GB" sz="3600" dirty="0">
                 <a:solidFill>
                   <a:schemeClr val="bg1"/>
                 </a:solidFill>
               </a:rPr>
               <a:t>Yours is the Name above all names</a:t>
             </a:r>
-            <a:endParaRPr lang="en-GB" sz="4900" dirty="0">
-              <a:solidFill>
-                <a:schemeClr val="bg1"/>
-              </a:solidFill>
-            </a:endParaRPr>
           </a:p>
         </p:txBody>
       </p:sp>
@@ -4252,7 +4242,7 @@
         </p:nvSpPr>
         <p:spPr>
           <a:xfrm>
-            <a:off x="323528" y="116632"/>
+            <a:off x="173402" y="692696"/>
             <a:ext cx="8640960" cy="6552728"/>
           </a:xfrm>
         </p:spPr>
@@ -4263,7 +4253,7 @@
           <a:lstStyle/>
           <a:p>
             <a:r>
-              <a:rPr lang="en-GB" sz="5400" dirty="0">
+              <a:rPr lang="en-GB" sz="3600" dirty="0">
                 <a:solidFill>
                   <a:schemeClr val="bg1"/>
                 </a:solidFill>
@@ -4271,14 +4261,14 @@
               <a:t>What a powerful Name it is</a:t>
             </a:r>
             <a:br>
-              <a:rPr lang="en-GB" sz="5400" dirty="0">
+              <a:rPr lang="en-GB" sz="3600" dirty="0">
                 <a:solidFill>
                   <a:schemeClr val="bg1"/>
                 </a:solidFill>
               </a:rPr>
             </a:br>
             <a:r>
-              <a:rPr lang="en-GB" sz="5400" dirty="0">
+              <a:rPr lang="en-GB" sz="3600" dirty="0">
                 <a:solidFill>
                   <a:schemeClr val="bg1"/>
                 </a:solidFill>
@@ -4286,14 +4276,14 @@
               <a:t>What a powerful Name it is</a:t>
             </a:r>
             <a:br>
-              <a:rPr lang="en-GB" sz="5400" dirty="0">
+              <a:rPr lang="en-GB" sz="3600" dirty="0">
                 <a:solidFill>
                   <a:schemeClr val="bg1"/>
                 </a:solidFill>
               </a:rPr>
             </a:br>
             <a:r>
-              <a:rPr lang="en-GB" sz="5400" dirty="0">
+              <a:rPr lang="en-GB" sz="3600" dirty="0">
                 <a:solidFill>
                   <a:schemeClr val="bg1"/>
                 </a:solidFill>
@@ -4301,14 +4291,14 @@
               <a:t>The Name of Jesus Christ my King</a:t>
             </a:r>
             <a:br>
-              <a:rPr lang="en-GB" sz="5400" dirty="0">
+              <a:rPr lang="en-GB" sz="3600" dirty="0">
                 <a:solidFill>
                   <a:schemeClr val="bg1"/>
                 </a:solidFill>
               </a:rPr>
             </a:br>
             <a:r>
-              <a:rPr lang="en-GB" sz="5400" dirty="0">
+              <a:rPr lang="en-GB" sz="3600" dirty="0">
                 <a:solidFill>
                   <a:schemeClr val="bg1"/>
                 </a:solidFill>
@@ -4316,14 +4306,14 @@
               <a:t>What a powerful Name it is</a:t>
             </a:r>
             <a:br>
-              <a:rPr lang="en-GB" sz="5400" dirty="0">
+              <a:rPr lang="en-GB" sz="3600" dirty="0">
                 <a:solidFill>
                   <a:schemeClr val="bg1"/>
                 </a:solidFill>
               </a:rPr>
             </a:br>
             <a:r>
-              <a:rPr lang="en-GB" sz="5400" dirty="0">
+              <a:rPr lang="en-GB" sz="3600" dirty="0">
                 <a:solidFill>
                   <a:schemeClr val="bg1"/>
                 </a:solidFill>
@@ -4331,14 +4321,14 @@
               <a:t>Nothing can stand against</a:t>
             </a:r>
             <a:br>
-              <a:rPr lang="en-GB" sz="5400" dirty="0">
+              <a:rPr lang="en-GB" sz="3600" dirty="0">
                 <a:solidFill>
                   <a:schemeClr val="bg1"/>
                 </a:solidFill>
               </a:rPr>
             </a:br>
             <a:r>
-              <a:rPr lang="en-GB" sz="5400" dirty="0">
+              <a:rPr lang="en-GB" sz="3600" dirty="0">
                 <a:solidFill>
                   <a:schemeClr val="bg1"/>
                 </a:solidFill>
@@ -4346,25 +4336,20 @@
               <a:t>What a powerful Name it is</a:t>
             </a:r>
             <a:br>
-              <a:rPr lang="en-GB" sz="5400" dirty="0">
+              <a:rPr lang="en-GB" sz="3600" dirty="0">
                 <a:solidFill>
                   <a:schemeClr val="bg1"/>
                 </a:solidFill>
               </a:rPr>
             </a:br>
             <a:r>
-              <a:rPr lang="en-GB" sz="5400" dirty="0">
+              <a:rPr lang="en-GB" sz="3600" dirty="0">
                 <a:solidFill>
                   <a:schemeClr val="bg1"/>
                 </a:solidFill>
               </a:rPr>
               <a:t>The Name of Jesus</a:t>
             </a:r>
-            <a:endParaRPr lang="en-GB" sz="4900" dirty="0">
-              <a:solidFill>
-                <a:schemeClr val="bg1"/>
-              </a:solidFill>
-            </a:endParaRPr>
           </a:p>
         </p:txBody>
       </p:sp>
